--- a/Project 1 Powerpoint.pptx
+++ b/Project 1 Powerpoint.pptx
@@ -17,8 +17,8 @@
     <p:sldId id="392" r:id="rId8"/>
     <p:sldId id="393" r:id="rId9"/>
     <p:sldId id="394" r:id="rId10"/>
-    <p:sldId id="321" r:id="rId11"/>
-    <p:sldId id="391" r:id="rId12"/>
+    <p:sldId id="395" r:id="rId11"/>
+    <p:sldId id="321" r:id="rId12"/>
   </p:sldIdLst>
   <p:sldSz cx="12192000" cy="6858000"/>
   <p:notesSz cx="6858000" cy="9144000"/>
@@ -639,7 +639,7 @@
           <a:p>
             <a:fld id="{C17F2C1D-F243-42AB-ADF2-E7CB4E04900E}" type="datetimeFigureOut">
               <a:rPr lang="en-US" smtClean="0"/>
-              <a:t>7/31/2023</a:t>
+              <a:t>8/1/2023</a:t>
             </a:fld>
             <a:endParaRPr lang="en-US"/>
           </a:p>
@@ -816,7 +816,7 @@
           <a:p>
             <a:fld id="{020CE34E-5667-4A32-A6BA-10C7A552BC63}" type="datetimeFigureOut">
               <a:rPr lang="en-US" smtClean="0"/>
-              <a:t>7/31/2023</a:t>
+              <a:t>8/1/2023</a:t>
             </a:fld>
             <a:endParaRPr lang="en-US"/>
           </a:p>
@@ -1555,7 +1555,10 @@
           <a:bodyPr/>
           <a:lstStyle/>
           <a:p>
-            <a:endParaRPr lang="en-US" dirty="0"/>
+            <a:r>
+              <a:rPr lang="en-US" dirty="0"/>
+              <a:t>Strength, form, direction, and outliers. </a:t>
+            </a:r>
           </a:p>
         </p:txBody>
       </p:sp>
@@ -1577,6 +1580,90 @@
             <a:fld id="{1983A999-5E0E-42CA-8400-604AE921FF7C}" type="slidenum">
               <a:rPr lang="en-US" smtClean="0"/>
               <a:t>7</a:t>
+            </a:fld>
+            <a:endParaRPr lang="en-US"/>
+          </a:p>
+        </p:txBody>
+      </p:sp>
+    </p:spTree>
+    <p:extLst>
+      <p:ext uri="{BB962C8B-B14F-4D97-AF65-F5344CB8AC3E}">
+        <p14:creationId xmlns:p14="http://schemas.microsoft.com/office/powerpoint/2010/main" val="134888719"/>
+      </p:ext>
+    </p:extLst>
+  </p:cSld>
+  <p:clrMapOvr>
+    <a:masterClrMapping/>
+  </p:clrMapOvr>
+</p:notes>
+</file>
+
+<file path=ppt/notesSlides/notesSlide7.xml><?xml version="1.0" encoding="utf-8"?>
+<p:notes xmlns:a="http://schemas.openxmlformats.org/drawingml/2006/main" xmlns:r="http://schemas.openxmlformats.org/officeDocument/2006/relationships" xmlns:p="http://schemas.openxmlformats.org/presentationml/2006/main">
+  <p:cSld>
+    <p:spTree>
+      <p:nvGrpSpPr>
+        <p:cNvPr id="1" name=""/>
+        <p:cNvGrpSpPr/>
+        <p:nvPr/>
+      </p:nvGrpSpPr>
+      <p:grpSpPr>
+        <a:xfrm>
+          <a:off x="0" y="0"/>
+          <a:ext cx="0" cy="0"/>
+          <a:chOff x="0" y="0"/>
+          <a:chExt cx="0" cy="0"/>
+        </a:xfrm>
+      </p:grpSpPr>
+      <p:sp>
+        <p:nvSpPr>
+          <p:cNvPr id="2" name="Slide Image Placeholder 1"/>
+          <p:cNvSpPr>
+            <a:spLocks noGrp="1" noRot="1" noChangeAspect="1"/>
+          </p:cNvSpPr>
+          <p:nvPr>
+            <p:ph type="sldImg"/>
+          </p:nvPr>
+        </p:nvSpPr>
+        <p:spPr/>
+      </p:sp>
+      <p:sp>
+        <p:nvSpPr>
+          <p:cNvPr id="3" name="Notes Placeholder 2"/>
+          <p:cNvSpPr>
+            <a:spLocks noGrp="1"/>
+          </p:cNvSpPr>
+          <p:nvPr>
+            <p:ph type="body" idx="1"/>
+          </p:nvPr>
+        </p:nvSpPr>
+        <p:spPr/>
+        <p:txBody>
+          <a:bodyPr/>
+          <a:lstStyle/>
+          <a:p>
+            <a:endParaRPr lang="en-US" dirty="0"/>
+          </a:p>
+        </p:txBody>
+      </p:sp>
+      <p:sp>
+        <p:nvSpPr>
+          <p:cNvPr id="4" name="Slide Number Placeholder 3"/>
+          <p:cNvSpPr>
+            <a:spLocks noGrp="1"/>
+          </p:cNvSpPr>
+          <p:nvPr>
+            <p:ph type="sldNum" sz="quarter" idx="5"/>
+          </p:nvPr>
+        </p:nvSpPr>
+        <p:spPr/>
+        <p:txBody>
+          <a:bodyPr/>
+          <a:lstStyle/>
+          <a:p>
+            <a:fld id="{1983A999-5E0E-42CA-8400-604AE921FF7C}" type="slidenum">
+              <a:rPr lang="en-US" smtClean="0"/>
+              <a:t>8</a:t>
             </a:fld>
             <a:endParaRPr lang="en-US"/>
           </a:p>
@@ -19180,6 +19267,14 @@
 <file path=ppt/slides/slide7.xml><?xml version="1.0" encoding="utf-8"?>
 <p:sld xmlns:a="http://schemas.openxmlformats.org/drawingml/2006/main" xmlns:r="http://schemas.openxmlformats.org/officeDocument/2006/relationships" xmlns:p="http://schemas.openxmlformats.org/presentationml/2006/main">
   <p:cSld>
+    <p:bg>
+      <p:bgPr>
+        <a:solidFill>
+          <a:schemeClr val="bg2"/>
+        </a:solidFill>
+        <a:effectLst/>
+      </p:bgPr>
+    </p:bg>
     <p:spTree>
       <p:nvGrpSpPr>
         <p:cNvPr id="1" name=""/>
@@ -19196,43 +19291,897 @@
       </p:grpSpPr>
       <p:sp>
         <p:nvSpPr>
-          <p:cNvPr id="11" name="Title 10">
+          <p:cNvPr id="34" name="Freeform: Shape 33">
             <a:extLst>
               <a:ext uri="{FF2B5EF4-FFF2-40B4-BE49-F238E27FC236}">
-                <a16:creationId xmlns:a16="http://schemas.microsoft.com/office/drawing/2014/main" id="{581E8936-2270-47FE-94A4-398CB123EF90}"/>
+                <a16:creationId xmlns:a16="http://schemas.microsoft.com/office/drawing/2014/main" id="{82184FF4-7029-4ED7-813A-192E60608764}"/>
+              </a:ext>
+              <a:ext uri="{C183D7F6-B498-43B3-948B-1728B52AA6E4}">
+                <adec:decorative xmlns:adec="http://schemas.microsoft.com/office/drawing/2017/decorative" val="1"/>
               </a:ext>
             </a:extLst>
           </p:cNvPr>
           <p:cNvSpPr>
-            <a:spLocks noGrp="1"/>
+            <a:spLocks noGrp="1" noRot="1" noChangeAspect="1" noMove="1" noResize="1" noEditPoints="1" noAdjustHandles="1" noChangeArrowheads="1" noChangeShapeType="1" noTextEdit="1"/>
           </p:cNvSpPr>
           <p:nvPr>
-            <p:ph type="title"/>
+            <p:extLst>
+              <p:ext uri="{386F3935-93C4-4BCD-93E2-E3B085C9AB24}">
+                <p16:designElem xmlns:p16="http://schemas.microsoft.com/office/powerpoint/2015/main" val="1"/>
+              </p:ext>
+            </p:extLst>
+          </p:nvPr>
+        </p:nvSpPr>
+        <p:spPr>
+          <a:xfrm rot="2700000">
+            <a:off x="612445" y="481888"/>
+            <a:ext cx="1080000" cy="1262947"/>
+          </a:xfrm>
+          <a:custGeom>
+            <a:avLst/>
+            <a:gdLst/>
+            <a:ahLst/>
+            <a:cxnLst/>
+            <a:rect l="l" t="t" r="r" b="b"/>
+            <a:pathLst>
+              <a:path w="1080000" h="1262947">
+                <a:moveTo>
+                  <a:pt x="540000" y="0"/>
+                </a:moveTo>
+                <a:lnTo>
+                  <a:pt x="1064374" y="931034"/>
+                </a:lnTo>
+                <a:lnTo>
+                  <a:pt x="1069029" y="938533"/>
+                </a:lnTo>
+                <a:cubicBezTo>
+                  <a:pt x="1076223" y="956109"/>
+                  <a:pt x="1080000" y="974307"/>
+                  <a:pt x="1080000" y="992947"/>
+                </a:cubicBezTo>
+                <a:cubicBezTo>
+                  <a:pt x="1080000" y="1142064"/>
+                  <a:pt x="838234" y="1262947"/>
+                  <a:pt x="540000" y="1262947"/>
+                </a:cubicBezTo>
+                <a:cubicBezTo>
+                  <a:pt x="241766" y="1262947"/>
+                  <a:pt x="0" y="1142064"/>
+                  <a:pt x="0" y="992947"/>
+                </a:cubicBezTo>
+                <a:cubicBezTo>
+                  <a:pt x="0" y="974307"/>
+                  <a:pt x="3778" y="956109"/>
+                  <a:pt x="10971" y="938533"/>
+                </a:cubicBezTo>
+                <a:lnTo>
+                  <a:pt x="15626" y="931034"/>
+                </a:lnTo>
+                <a:lnTo>
+                  <a:pt x="540000" y="0"/>
+                </a:lnTo>
+                <a:close/>
+              </a:path>
+            </a:pathLst>
+          </a:custGeom>
+          <a:gradFill>
+            <a:gsLst>
+              <a:gs pos="60000">
+                <a:schemeClr val="bg2">
+                  <a:lumMod val="90000"/>
+                  <a:lumOff val="10000"/>
+                </a:schemeClr>
+              </a:gs>
+              <a:gs pos="30000">
+                <a:schemeClr val="bg2">
+                  <a:lumMod val="90000"/>
+                  <a:lumOff val="10000"/>
+                </a:schemeClr>
+              </a:gs>
+              <a:gs pos="40000">
+                <a:schemeClr val="bg2">
+                  <a:lumMod val="75000"/>
+                  <a:lumOff val="25000"/>
+                </a:schemeClr>
+              </a:gs>
+              <a:gs pos="100000">
+                <a:schemeClr val="bg2"/>
+              </a:gs>
+            </a:gsLst>
+            <a:lin ang="600000" scaled="0"/>
+          </a:gradFill>
+          <a:ln>
+            <a:noFill/>
+          </a:ln>
+          <a:effectLst>
+            <a:innerShdw blurRad="254000" dist="101600" dir="2700000">
+              <a:schemeClr val="accent1">
+                <a:lumMod val="60000"/>
+                <a:lumOff val="40000"/>
+                <a:alpha val="40000"/>
+              </a:schemeClr>
+            </a:innerShdw>
+          </a:effectLst>
+        </p:spPr>
+        <p:style>
+          <a:lnRef idx="2">
+            <a:schemeClr val="accent1">
+              <a:shade val="50000"/>
+            </a:schemeClr>
+          </a:lnRef>
+          <a:fillRef idx="1">
+            <a:schemeClr val="accent1"/>
+          </a:fillRef>
+          <a:effectRef idx="0">
+            <a:schemeClr val="accent1"/>
+          </a:effectRef>
+          <a:fontRef idx="minor">
+            <a:schemeClr val="lt1"/>
+          </a:fontRef>
+        </p:style>
+        <p:txBody>
+          <a:bodyPr rot="0" spcFirstLastPara="0" vertOverflow="overflow" horzOverflow="overflow" vert="horz" wrap="square" lIns="91440" tIns="45720" rIns="91440" bIns="45720" numCol="1" spcCol="0" rtlCol="0" fromWordArt="0" anchor="ctr" anchorCtr="0" forceAA="0" compatLnSpc="1">
+            <a:prstTxWarp prst="textNoShape">
+              <a:avLst/>
+            </a:prstTxWarp>
+            <a:noAutofit/>
+          </a:bodyPr>
+          <a:lstStyle/>
+          <a:p>
+            <a:pPr algn="ctr"/>
+            <a:endParaRPr lang="en-US"/>
+          </a:p>
+        </p:txBody>
+      </p:sp>
+      <p:sp>
+        <p:nvSpPr>
+          <p:cNvPr id="36" name="Oval 35">
+            <a:extLst>
+              <a:ext uri="{FF2B5EF4-FFF2-40B4-BE49-F238E27FC236}">
+                <a16:creationId xmlns:a16="http://schemas.microsoft.com/office/drawing/2014/main" id="{AAA7AB09-557C-41AD-9113-FF9F68FA1035}"/>
+              </a:ext>
+              <a:ext uri="{C183D7F6-B498-43B3-948B-1728B52AA6E4}">
+                <adec:decorative xmlns:adec="http://schemas.microsoft.com/office/drawing/2017/decorative" val="1"/>
+              </a:ext>
+            </a:extLst>
+          </p:cNvPr>
+          <p:cNvSpPr>
+            <a:spLocks noGrp="1" noRot="1" noChangeAspect="1" noMove="1" noResize="1" noEditPoints="1" noAdjustHandles="1" noChangeArrowheads="1" noChangeShapeType="1" noTextEdit="1"/>
+          </p:cNvSpPr>
+          <p:nvPr>
+            <p:extLst>
+              <p:ext uri="{386F3935-93C4-4BCD-93E2-E3B085C9AB24}">
+                <p16:designElem xmlns:p16="http://schemas.microsoft.com/office/powerpoint/2015/main" val="1"/>
+              </p:ext>
+            </p:extLst>
+          </p:nvPr>
+        </p:nvSpPr>
+        <p:spPr>
+          <a:xfrm rot="8100000">
+            <a:off x="626845" y="828962"/>
+            <a:ext cx="540000" cy="1080000"/>
+          </a:xfrm>
+          <a:prstGeom prst="ellipse">
+            <a:avLst/>
+          </a:prstGeom>
+          <a:gradFill>
+            <a:gsLst>
+              <a:gs pos="100000">
+                <a:schemeClr val="bg2">
+                  <a:lumMod val="90000"/>
+                  <a:lumOff val="10000"/>
+                </a:schemeClr>
+              </a:gs>
+              <a:gs pos="50000">
+                <a:schemeClr val="bg2">
+                  <a:lumMod val="95000"/>
+                  <a:lumOff val="5000"/>
+                </a:schemeClr>
+              </a:gs>
+            </a:gsLst>
+            <a:lin ang="5400000" scaled="0"/>
+          </a:gradFill>
+          <a:ln>
+            <a:noFill/>
+          </a:ln>
+          <a:effectLst>
+            <a:innerShdw blurRad="1270000" dist="2540000">
+              <a:schemeClr val="accent1">
+                <a:lumMod val="60000"/>
+                <a:lumOff val="40000"/>
+                <a:alpha val="0"/>
+              </a:schemeClr>
+            </a:innerShdw>
+          </a:effectLst>
+        </p:spPr>
+        <p:style>
+          <a:lnRef idx="2">
+            <a:schemeClr val="accent1">
+              <a:shade val="50000"/>
+            </a:schemeClr>
+          </a:lnRef>
+          <a:fillRef idx="1">
+            <a:schemeClr val="accent1"/>
+          </a:fillRef>
+          <a:effectRef idx="0">
+            <a:schemeClr val="accent1"/>
+          </a:effectRef>
+          <a:fontRef idx="minor">
+            <a:schemeClr val="lt1"/>
+          </a:fontRef>
+        </p:style>
+        <p:txBody>
+          <a:bodyPr rot="0" spcFirstLastPara="0" vertOverflow="overflow" horzOverflow="overflow" vert="horz" wrap="square" lIns="91440" tIns="45720" rIns="91440" bIns="45720" numCol="1" spcCol="0" rtlCol="0" fromWordArt="0" anchor="ctr" anchorCtr="0" forceAA="0" compatLnSpc="1">
+            <a:prstTxWarp prst="textNoShape">
+              <a:avLst/>
+            </a:prstTxWarp>
+            <a:noAutofit/>
+          </a:bodyPr>
+          <a:lstStyle/>
+          <a:p>
+            <a:pPr algn="ctr"/>
+            <a:endParaRPr lang="en-US"/>
+          </a:p>
+        </p:txBody>
+      </p:sp>
+      <p:sp>
+        <p:nvSpPr>
+          <p:cNvPr id="38" name="Oval 37">
+            <a:extLst>
+              <a:ext uri="{FF2B5EF4-FFF2-40B4-BE49-F238E27FC236}">
+                <a16:creationId xmlns:a16="http://schemas.microsoft.com/office/drawing/2014/main" id="{EF99ECAA-1F11-4937-BBA6-51935AB44C9D}"/>
+              </a:ext>
+              <a:ext uri="{C183D7F6-B498-43B3-948B-1728B52AA6E4}">
+                <adec:decorative xmlns:adec="http://schemas.microsoft.com/office/drawing/2017/decorative" val="1"/>
+              </a:ext>
+            </a:extLst>
+          </p:cNvPr>
+          <p:cNvSpPr>
+            <a:spLocks noGrp="1" noRot="1" noChangeAspect="1" noMove="1" noResize="1" noEditPoints="1" noAdjustHandles="1" noChangeArrowheads="1" noChangeShapeType="1" noTextEdit="1"/>
+          </p:cNvSpPr>
+          <p:nvPr>
+            <p:extLst>
+              <p:ext uri="{386F3935-93C4-4BCD-93E2-E3B085C9AB24}">
+                <p16:designElem xmlns:p16="http://schemas.microsoft.com/office/powerpoint/2015/main" val="1"/>
+              </p:ext>
+            </p:extLst>
           </p:nvPr>
         </p:nvSpPr>
         <p:spPr>
           <a:xfrm>
-            <a:off x="550863" y="4508500"/>
-            <a:ext cx="4500562" cy="1562959"/>
+            <a:off x="1800802" y="2472855"/>
+            <a:ext cx="360000" cy="360000"/>
           </a:xfrm>
+          <a:prstGeom prst="ellipse">
+            <a:avLst/>
+          </a:prstGeom>
+          <a:gradFill flip="none" rotWithShape="1">
+            <a:gsLst>
+              <a:gs pos="100000">
+                <a:schemeClr val="bg2">
+                  <a:lumMod val="50000"/>
+                  <a:lumOff val="50000"/>
+                </a:schemeClr>
+              </a:gs>
+              <a:gs pos="60000">
+                <a:schemeClr val="bg2"/>
+              </a:gs>
+            </a:gsLst>
+            <a:path path="circle">
+              <a:fillToRect l="100000" b="100000"/>
+            </a:path>
+            <a:tileRect t="-100000" r="-100000"/>
+          </a:gradFill>
+          <a:ln>
+            <a:noFill/>
+          </a:ln>
+          <a:effectLst>
+            <a:innerShdw blurRad="127000" dist="63500" dir="2700000">
+              <a:schemeClr val="accent1">
+                <a:lumMod val="60000"/>
+                <a:lumOff val="40000"/>
+                <a:alpha val="20000"/>
+              </a:schemeClr>
+            </a:innerShdw>
+            <a:softEdge rad="0"/>
+          </a:effectLst>
         </p:spPr>
+        <p:style>
+          <a:lnRef idx="2">
+            <a:schemeClr val="accent1">
+              <a:shade val="50000"/>
+            </a:schemeClr>
+          </a:lnRef>
+          <a:fillRef idx="1">
+            <a:schemeClr val="accent1"/>
+          </a:fillRef>
+          <a:effectRef idx="0">
+            <a:schemeClr val="accent1"/>
+          </a:effectRef>
+          <a:fontRef idx="minor">
+            <a:schemeClr val="lt1"/>
+          </a:fontRef>
+        </p:style>
         <p:txBody>
-          <a:bodyPr/>
+          <a:bodyPr rot="0" spcFirstLastPara="0" vertOverflow="overflow" horzOverflow="overflow" vert="horz" wrap="square" lIns="91440" tIns="45720" rIns="91440" bIns="45720" numCol="1" spcCol="0" rtlCol="0" fromWordArt="0" anchor="ctr" anchorCtr="0" forceAA="0" compatLnSpc="1">
+            <a:prstTxWarp prst="textNoShape">
+              <a:avLst/>
+            </a:prstTxWarp>
+            <a:noAutofit/>
+          </a:bodyPr>
           <a:lstStyle/>
           <a:p>
-            <a:r>
-              <a:rPr lang="en-US" dirty="0"/>
-              <a:t>Summary</a:t>
-            </a:r>
+            <a:pPr algn="ctr"/>
+            <a:endParaRPr lang="en-US"/>
+          </a:p>
+        </p:txBody>
+      </p:sp>
+      <p:grpSp>
+        <p:nvGrpSpPr>
+          <p:cNvPr id="40" name="Group 39">
+            <a:extLst>
+              <a:ext uri="{FF2B5EF4-FFF2-40B4-BE49-F238E27FC236}">
+                <a16:creationId xmlns:a16="http://schemas.microsoft.com/office/drawing/2014/main" id="{79DE9FAB-6BBA-4CFE-B67D-77B47F01ECA4}"/>
+              </a:ext>
+              <a:ext uri="{C183D7F6-B498-43B3-948B-1728B52AA6E4}">
+                <adec:decorative xmlns:adec="http://schemas.microsoft.com/office/drawing/2017/decorative" val="1"/>
+              </a:ext>
+            </a:extLst>
+          </p:cNvPr>
+          <p:cNvGrpSpPr>
+            <a:grpSpLocks noGrp="1" noUngrp="1" noRot="1" noChangeAspect="1" noMove="1" noResize="1"/>
+          </p:cNvGrpSpPr>
+          <p:nvPr>
+            <p:extLst>
+              <p:ext uri="{386F3935-93C4-4BCD-93E2-E3B085C9AB24}">
+                <p16:designElem xmlns:p16="http://schemas.microsoft.com/office/powerpoint/2015/main" val="1"/>
+              </p:ext>
+            </p:extLst>
+          </p:nvPr>
+        </p:nvGrpSpPr>
+        <p:grpSpPr>
+          <a:xfrm>
+            <a:off x="1329952" y="4524379"/>
+            <a:ext cx="1980001" cy="1363916"/>
+            <a:chOff x="4879602" y="3781429"/>
+            <a:chExt cx="1980001" cy="1363916"/>
+          </a:xfrm>
+        </p:grpSpPr>
+        <p:sp>
+          <p:nvSpPr>
+            <p:cNvPr id="41" name="Freeform: Shape 40">
+              <a:extLst>
+                <a:ext uri="{FF2B5EF4-FFF2-40B4-BE49-F238E27FC236}">
+                  <a16:creationId xmlns:a16="http://schemas.microsoft.com/office/drawing/2014/main" id="{79FAC916-D9BB-4794-81B4-7C47C67E850D}"/>
+                </a:ext>
+                <a:ext uri="{C183D7F6-B498-43B3-948B-1728B52AA6E4}">
+                  <adec:decorative xmlns:adec="http://schemas.microsoft.com/office/drawing/2017/decorative" val="1"/>
+                </a:ext>
+              </a:extLst>
+            </p:cNvPr>
+            <p:cNvSpPr>
+              <a:spLocks noChangeAspect="1"/>
+            </p:cNvSpPr>
+            <p:nvPr>
+              <p:extLst>
+                <p:ext uri="{386F3935-93C4-4BCD-93E2-E3B085C9AB24}">
+                  <p16:designElem xmlns:p16="http://schemas.microsoft.com/office/powerpoint/2015/main" val="1"/>
+                </p:ext>
+              </p:extLst>
+            </p:nvPr>
+          </p:nvSpPr>
+          <p:spPr>
+            <a:xfrm rot="18900000" flipV="1">
+              <a:off x="5005634" y="4191206"/>
+              <a:ext cx="1853969" cy="926985"/>
+            </a:xfrm>
+            <a:custGeom>
+              <a:avLst/>
+              <a:gdLst>
+                <a:gd name="connsiteX0" fmla="*/ 1329373 w 2658746"/>
+                <a:gd name="connsiteY0" fmla="*/ 0 h 1329373"/>
+                <a:gd name="connsiteX1" fmla="*/ 2658746 w 2658746"/>
+                <a:gd name="connsiteY1" fmla="*/ 1329373 h 1329373"/>
+                <a:gd name="connsiteX2" fmla="*/ 1994059 w 2658746"/>
+                <a:gd name="connsiteY2" fmla="*/ 1329373 h 1329373"/>
+                <a:gd name="connsiteX3" fmla="*/ 1329373 w 2658746"/>
+                <a:gd name="connsiteY3" fmla="*/ 664687 h 1329373"/>
+                <a:gd name="connsiteX4" fmla="*/ 664687 w 2658746"/>
+                <a:gd name="connsiteY4" fmla="*/ 1329373 h 1329373"/>
+                <a:gd name="connsiteX5" fmla="*/ 0 w 2658746"/>
+                <a:gd name="connsiteY5" fmla="*/ 1329373 h 1329373"/>
+                <a:gd name="connsiteX6" fmla="*/ 1329373 w 2658746"/>
+                <a:gd name="connsiteY6" fmla="*/ 0 h 1329373"/>
+              </a:gdLst>
+              <a:ahLst/>
+              <a:cxnLst>
+                <a:cxn ang="0">
+                  <a:pos x="connsiteX0" y="connsiteY0"/>
+                </a:cxn>
+                <a:cxn ang="0">
+                  <a:pos x="connsiteX1" y="connsiteY1"/>
+                </a:cxn>
+                <a:cxn ang="0">
+                  <a:pos x="connsiteX2" y="connsiteY2"/>
+                </a:cxn>
+                <a:cxn ang="0">
+                  <a:pos x="connsiteX3" y="connsiteY3"/>
+                </a:cxn>
+                <a:cxn ang="0">
+                  <a:pos x="connsiteX4" y="connsiteY4"/>
+                </a:cxn>
+                <a:cxn ang="0">
+                  <a:pos x="connsiteX5" y="connsiteY5"/>
+                </a:cxn>
+                <a:cxn ang="0">
+                  <a:pos x="connsiteX6" y="connsiteY6"/>
+                </a:cxn>
+              </a:cxnLst>
+              <a:rect l="l" t="t" r="r" b="b"/>
+              <a:pathLst>
+                <a:path w="2658746" h="1329373">
+                  <a:moveTo>
+                    <a:pt x="1329373" y="0"/>
+                  </a:moveTo>
+                  <a:cubicBezTo>
+                    <a:pt x="2063565" y="0"/>
+                    <a:pt x="2658746" y="595181"/>
+                    <a:pt x="2658746" y="1329373"/>
+                  </a:cubicBezTo>
+                  <a:lnTo>
+                    <a:pt x="1994059" y="1329373"/>
+                  </a:lnTo>
+                  <a:cubicBezTo>
+                    <a:pt x="1994059" y="962277"/>
+                    <a:pt x="1696469" y="664687"/>
+                    <a:pt x="1329373" y="664687"/>
+                  </a:cubicBezTo>
+                  <a:cubicBezTo>
+                    <a:pt x="962277" y="664687"/>
+                    <a:pt x="664687" y="962277"/>
+                    <a:pt x="664687" y="1329373"/>
+                  </a:cubicBezTo>
+                  <a:lnTo>
+                    <a:pt x="0" y="1329373"/>
+                  </a:lnTo>
+                  <a:cubicBezTo>
+                    <a:pt x="0" y="595181"/>
+                    <a:pt x="595181" y="0"/>
+                    <a:pt x="1329373" y="0"/>
+                  </a:cubicBezTo>
+                  <a:close/>
+                </a:path>
+              </a:pathLst>
+            </a:custGeom>
+            <a:solidFill>
+              <a:schemeClr val="bg2"/>
+            </a:solidFill>
+            <a:ln>
+              <a:noFill/>
+            </a:ln>
+            <a:effectLst>
+              <a:innerShdw blurRad="254000" dist="50800" dir="16200000">
+                <a:schemeClr val="accent1">
+                  <a:lumMod val="40000"/>
+                  <a:lumOff val="60000"/>
+                  <a:alpha val="40000"/>
+                </a:schemeClr>
+              </a:innerShdw>
+            </a:effectLst>
+          </p:spPr>
+          <p:style>
+            <a:lnRef idx="2">
+              <a:schemeClr val="accent1">
+                <a:shade val="50000"/>
+              </a:schemeClr>
+            </a:lnRef>
+            <a:fillRef idx="1">
+              <a:schemeClr val="accent1"/>
+            </a:fillRef>
+            <a:effectRef idx="0">
+              <a:schemeClr val="accent1"/>
+            </a:effectRef>
+            <a:fontRef idx="minor">
+              <a:schemeClr val="lt1"/>
+            </a:fontRef>
+          </p:style>
+          <p:txBody>
+            <a:bodyPr rtlCol="0" anchor="ctr"/>
+            <a:lstStyle/>
+            <a:p>
+              <a:pPr algn="ctr"/>
+              <a:endParaRPr lang="en-US"/>
+            </a:p>
+          </p:txBody>
+        </p:sp>
+        <p:sp>
+          <p:nvSpPr>
+            <p:cNvPr id="42" name="Freeform: Shape 41">
+              <a:extLst>
+                <a:ext uri="{FF2B5EF4-FFF2-40B4-BE49-F238E27FC236}">
+                  <a16:creationId xmlns:a16="http://schemas.microsoft.com/office/drawing/2014/main" id="{B5CA2231-7A65-4D16-8400-A210CC41DB73}"/>
+                </a:ext>
+                <a:ext uri="{C183D7F6-B498-43B3-948B-1728B52AA6E4}">
+                  <adec:decorative xmlns:adec="http://schemas.microsoft.com/office/drawing/2017/decorative" val="1"/>
+                </a:ext>
+              </a:extLst>
+            </p:cNvPr>
+            <p:cNvSpPr>
+              <a:spLocks noChangeAspect="1"/>
+            </p:cNvSpPr>
+            <p:nvPr>
+              <p:extLst>
+                <p:ext uri="{386F3935-93C4-4BCD-93E2-E3B085C9AB24}">
+                  <p16:designElem xmlns:p16="http://schemas.microsoft.com/office/powerpoint/2015/main" val="1"/>
+                </p:ext>
+              </p:extLst>
+            </p:nvPr>
+          </p:nvSpPr>
+          <p:spPr>
+            <a:xfrm rot="18900000" flipV="1">
+              <a:off x="4957101" y="4052255"/>
+              <a:ext cx="1853969" cy="1093090"/>
+            </a:xfrm>
+            <a:custGeom>
+              <a:avLst/>
+              <a:gdLst>
+                <a:gd name="connsiteX0" fmla="*/ 1329373 w 2658746"/>
+                <a:gd name="connsiteY0" fmla="*/ 0 h 1329373"/>
+                <a:gd name="connsiteX1" fmla="*/ 2658746 w 2658746"/>
+                <a:gd name="connsiteY1" fmla="*/ 1329373 h 1329373"/>
+                <a:gd name="connsiteX2" fmla="*/ 1994059 w 2658746"/>
+                <a:gd name="connsiteY2" fmla="*/ 1329373 h 1329373"/>
+                <a:gd name="connsiteX3" fmla="*/ 1329373 w 2658746"/>
+                <a:gd name="connsiteY3" fmla="*/ 664687 h 1329373"/>
+                <a:gd name="connsiteX4" fmla="*/ 664687 w 2658746"/>
+                <a:gd name="connsiteY4" fmla="*/ 1329373 h 1329373"/>
+                <a:gd name="connsiteX5" fmla="*/ 0 w 2658746"/>
+                <a:gd name="connsiteY5" fmla="*/ 1329373 h 1329373"/>
+                <a:gd name="connsiteX6" fmla="*/ 1329373 w 2658746"/>
+                <a:gd name="connsiteY6" fmla="*/ 0 h 1329373"/>
+              </a:gdLst>
+              <a:ahLst/>
+              <a:cxnLst>
+                <a:cxn ang="0">
+                  <a:pos x="connsiteX0" y="connsiteY0"/>
+                </a:cxn>
+                <a:cxn ang="0">
+                  <a:pos x="connsiteX1" y="connsiteY1"/>
+                </a:cxn>
+                <a:cxn ang="0">
+                  <a:pos x="connsiteX2" y="connsiteY2"/>
+                </a:cxn>
+                <a:cxn ang="0">
+                  <a:pos x="connsiteX3" y="connsiteY3"/>
+                </a:cxn>
+                <a:cxn ang="0">
+                  <a:pos x="connsiteX4" y="connsiteY4"/>
+                </a:cxn>
+                <a:cxn ang="0">
+                  <a:pos x="connsiteX5" y="connsiteY5"/>
+                </a:cxn>
+                <a:cxn ang="0">
+                  <a:pos x="connsiteX6" y="connsiteY6"/>
+                </a:cxn>
+              </a:cxnLst>
+              <a:rect l="l" t="t" r="r" b="b"/>
+              <a:pathLst>
+                <a:path w="2658746" h="1329373">
+                  <a:moveTo>
+                    <a:pt x="1329373" y="0"/>
+                  </a:moveTo>
+                  <a:cubicBezTo>
+                    <a:pt x="2063565" y="0"/>
+                    <a:pt x="2658746" y="595181"/>
+                    <a:pt x="2658746" y="1329373"/>
+                  </a:cubicBezTo>
+                  <a:lnTo>
+                    <a:pt x="1994059" y="1329373"/>
+                  </a:lnTo>
+                  <a:cubicBezTo>
+                    <a:pt x="1994059" y="962277"/>
+                    <a:pt x="1696469" y="664687"/>
+                    <a:pt x="1329373" y="664687"/>
+                  </a:cubicBezTo>
+                  <a:cubicBezTo>
+                    <a:pt x="962277" y="664687"/>
+                    <a:pt x="664687" y="962277"/>
+                    <a:pt x="664687" y="1329373"/>
+                  </a:cubicBezTo>
+                  <a:lnTo>
+                    <a:pt x="0" y="1329373"/>
+                  </a:lnTo>
+                  <a:cubicBezTo>
+                    <a:pt x="0" y="595181"/>
+                    <a:pt x="595181" y="0"/>
+                    <a:pt x="1329373" y="0"/>
+                  </a:cubicBezTo>
+                  <a:close/>
+                </a:path>
+              </a:pathLst>
+            </a:custGeom>
+            <a:solidFill>
+              <a:schemeClr val="bg2">
+                <a:lumMod val="50000"/>
+                <a:lumOff val="50000"/>
+                <a:alpha val="40000"/>
+              </a:schemeClr>
+            </a:solidFill>
+            <a:ln>
+              <a:noFill/>
+            </a:ln>
+            <a:effectLst>
+              <a:softEdge rad="190500"/>
+            </a:effectLst>
+          </p:spPr>
+          <p:style>
+            <a:lnRef idx="2">
+              <a:schemeClr val="accent1">
+                <a:shade val="50000"/>
+              </a:schemeClr>
+            </a:lnRef>
+            <a:fillRef idx="1">
+              <a:schemeClr val="accent1"/>
+            </a:fillRef>
+            <a:effectRef idx="0">
+              <a:schemeClr val="accent1"/>
+            </a:effectRef>
+            <a:fontRef idx="minor">
+              <a:schemeClr val="lt1"/>
+            </a:fontRef>
+          </p:style>
+          <p:txBody>
+            <a:bodyPr rtlCol="0" anchor="ctr"/>
+            <a:lstStyle/>
+            <a:p>
+              <a:pPr algn="ctr"/>
+              <a:endParaRPr lang="en-US">
+                <a:solidFill>
+                  <a:schemeClr val="tx1"/>
+                </a:solidFill>
+              </a:endParaRPr>
+            </a:p>
+          </p:txBody>
+        </p:sp>
+        <p:sp>
+          <p:nvSpPr>
+            <p:cNvPr id="43" name="Oval 42">
+              <a:extLst>
+                <a:ext uri="{FF2B5EF4-FFF2-40B4-BE49-F238E27FC236}">
+                  <a16:creationId xmlns:a16="http://schemas.microsoft.com/office/drawing/2014/main" id="{4B089C8C-B82B-4704-88E2-E857A5E21529}"/>
+                </a:ext>
+                <a:ext uri="{C183D7F6-B498-43B3-948B-1728B52AA6E4}">
+                  <adec:decorative xmlns:adec="http://schemas.microsoft.com/office/drawing/2017/decorative" val="1"/>
+                </a:ext>
+              </a:extLst>
+            </p:cNvPr>
+            <p:cNvSpPr/>
+            <p:nvPr>
+              <p:extLst>
+                <p:ext uri="{386F3935-93C4-4BCD-93E2-E3B085C9AB24}">
+                  <p16:designElem xmlns:p16="http://schemas.microsoft.com/office/powerpoint/2015/main" val="1"/>
+                </p:ext>
+              </p:extLst>
+            </p:nvPr>
+          </p:nvSpPr>
+          <p:spPr>
+            <a:xfrm rot="13500000" flipV="1">
+              <a:off x="6040374" y="3601683"/>
+              <a:ext cx="107098" cy="466589"/>
+            </a:xfrm>
+            <a:prstGeom prst="ellipse">
+              <a:avLst/>
+            </a:prstGeom>
+            <a:solidFill>
+              <a:schemeClr val="bg2">
+                <a:lumMod val="90000"/>
+                <a:lumOff val="10000"/>
+              </a:schemeClr>
+            </a:solidFill>
+            <a:ln>
+              <a:noFill/>
+            </a:ln>
+            <a:effectLst>
+              <a:innerShdw blurRad="63500" dist="2540000">
+                <a:schemeClr val="accent1">
+                  <a:lumMod val="60000"/>
+                  <a:lumOff val="40000"/>
+                  <a:alpha val="0"/>
+                </a:schemeClr>
+              </a:innerShdw>
+            </a:effectLst>
+          </p:spPr>
+          <p:style>
+            <a:lnRef idx="2">
+              <a:schemeClr val="accent1">
+                <a:shade val="50000"/>
+              </a:schemeClr>
+            </a:lnRef>
+            <a:fillRef idx="1">
+              <a:schemeClr val="accent1"/>
+            </a:fillRef>
+            <a:effectRef idx="0">
+              <a:schemeClr val="accent1"/>
+            </a:effectRef>
+            <a:fontRef idx="minor">
+              <a:schemeClr val="lt1"/>
+            </a:fontRef>
+          </p:style>
+          <p:txBody>
+            <a:bodyPr rot="0" spcFirstLastPara="0" vertOverflow="overflow" horzOverflow="overflow" vert="horz" wrap="square" lIns="91440" tIns="45720" rIns="91440" bIns="45720" numCol="1" spcCol="0" rtlCol="0" fromWordArt="0" anchor="ctr" anchorCtr="0" forceAA="0" compatLnSpc="1">
+              <a:prstTxWarp prst="textNoShape">
+                <a:avLst/>
+              </a:prstTxWarp>
+              <a:noAutofit/>
+            </a:bodyPr>
+            <a:lstStyle/>
+            <a:p>
+              <a:pPr algn="ctr"/>
+              <a:endParaRPr lang="en-US"/>
+            </a:p>
+          </p:txBody>
+        </p:sp>
+        <p:sp>
+          <p:nvSpPr>
+            <p:cNvPr id="44" name="Oval 43">
+              <a:extLst>
+                <a:ext uri="{FF2B5EF4-FFF2-40B4-BE49-F238E27FC236}">
+                  <a16:creationId xmlns:a16="http://schemas.microsoft.com/office/drawing/2014/main" id="{434B90C8-5B4D-456E-AD99-80EF748FDD72}"/>
+                </a:ext>
+                <a:ext uri="{C183D7F6-B498-43B3-948B-1728B52AA6E4}">
+                  <adec:decorative xmlns:adec="http://schemas.microsoft.com/office/drawing/2017/decorative" val="1"/>
+                </a:ext>
+              </a:extLst>
+            </p:cNvPr>
+            <p:cNvSpPr/>
+            <p:nvPr>
+              <p:extLst>
+                <p:ext uri="{386F3935-93C4-4BCD-93E2-E3B085C9AB24}">
+                  <p16:designElem xmlns:p16="http://schemas.microsoft.com/office/powerpoint/2015/main" val="1"/>
+                </p:ext>
+              </p:extLst>
+            </p:nvPr>
+          </p:nvSpPr>
+          <p:spPr>
+            <a:xfrm rot="13500000" flipV="1">
+              <a:off x="5059348" y="4582709"/>
+              <a:ext cx="107098" cy="466589"/>
+            </a:xfrm>
+            <a:prstGeom prst="ellipse">
+              <a:avLst/>
+            </a:prstGeom>
+            <a:solidFill>
+              <a:schemeClr val="bg2">
+                <a:lumMod val="90000"/>
+                <a:lumOff val="10000"/>
+              </a:schemeClr>
+            </a:solidFill>
+            <a:ln>
+              <a:noFill/>
+            </a:ln>
+            <a:effectLst>
+              <a:innerShdw blurRad="63500" dist="2540000">
+                <a:schemeClr val="accent1">
+                  <a:lumMod val="60000"/>
+                  <a:lumOff val="40000"/>
+                  <a:alpha val="0"/>
+                </a:schemeClr>
+              </a:innerShdw>
+            </a:effectLst>
+          </p:spPr>
+          <p:style>
+            <a:lnRef idx="2">
+              <a:schemeClr val="accent1">
+                <a:shade val="50000"/>
+              </a:schemeClr>
+            </a:lnRef>
+            <a:fillRef idx="1">
+              <a:schemeClr val="accent1"/>
+            </a:fillRef>
+            <a:effectRef idx="0">
+              <a:schemeClr val="accent1"/>
+            </a:effectRef>
+            <a:fontRef idx="minor">
+              <a:schemeClr val="lt1"/>
+            </a:fontRef>
+          </p:style>
+          <p:txBody>
+            <a:bodyPr rot="0" spcFirstLastPara="0" vertOverflow="overflow" horzOverflow="overflow" vert="horz" wrap="square" lIns="91440" tIns="45720" rIns="91440" bIns="45720" numCol="1" spcCol="0" rtlCol="0" fromWordArt="0" anchor="ctr" anchorCtr="0" forceAA="0" compatLnSpc="1">
+              <a:prstTxWarp prst="textNoShape">
+                <a:avLst/>
+              </a:prstTxWarp>
+              <a:noAutofit/>
+            </a:bodyPr>
+            <a:lstStyle/>
+            <a:p>
+              <a:pPr algn="ctr"/>
+              <a:endParaRPr lang="en-US"/>
+            </a:p>
+          </p:txBody>
+        </p:sp>
+      </p:grpSp>
+      <p:sp useBgFill="1">
+        <p:nvSpPr>
+          <p:cNvPr id="46" name="Rectangle 45">
+            <a:extLst>
+              <a:ext uri="{FF2B5EF4-FFF2-40B4-BE49-F238E27FC236}">
+                <a16:creationId xmlns:a16="http://schemas.microsoft.com/office/drawing/2014/main" id="{1DB043B4-68C6-45B9-82AC-A5800EADB8DB}"/>
+              </a:ext>
+              <a:ext uri="{C183D7F6-B498-43B3-948B-1728B52AA6E4}">
+                <adec:decorative xmlns:adec="http://schemas.microsoft.com/office/drawing/2017/decorative" val="1"/>
+              </a:ext>
+            </a:extLst>
+          </p:cNvPr>
+          <p:cNvSpPr>
+            <a:spLocks noGrp="1" noRot="1" noChangeAspect="1" noMove="1" noResize="1" noEditPoints="1" noAdjustHandles="1" noChangeArrowheads="1" noChangeShapeType="1" noTextEdit="1"/>
+          </p:cNvSpPr>
+          <p:nvPr>
+            <p:extLst>
+              <p:ext uri="{386F3935-93C4-4BCD-93E2-E3B085C9AB24}">
+                <p16:designElem xmlns:p16="http://schemas.microsoft.com/office/powerpoint/2015/main" val="1"/>
+              </p:ext>
+            </p:extLst>
+          </p:nvPr>
+        </p:nvSpPr>
+        <p:spPr>
+          <a:xfrm>
+            <a:off x="0" y="0"/>
+            <a:ext cx="12192000" cy="6858000"/>
+          </a:xfrm>
+          <a:prstGeom prst="rect">
+            <a:avLst/>
+          </a:prstGeom>
+          <a:ln w="12700" cap="flat" cmpd="sng" algn="ctr">
+            <a:noFill/>
+            <a:prstDash val="solid"/>
+            <a:miter lim="800000"/>
+          </a:ln>
+          <a:effectLst/>
+          <a:extLst>
+            <a:ext uri="{91240B29-F687-4F45-9708-019B960494DF}">
+              <a14:hiddenLine xmlns:a14="http://schemas.microsoft.com/office/drawing/2010/main" w="12700" cap="flat" cmpd="sng" algn="ctr">
+                <a:solidFill>
+                  <a:schemeClr val="accent1">
+                    <a:shade val="50000"/>
+                  </a:schemeClr>
+                </a:solidFill>
+                <a:prstDash val="solid"/>
+                <a:miter lim="800000"/>
+              </a14:hiddenLine>
+            </a:ext>
+          </a:extLst>
+        </p:spPr>
+        <p:style>
+          <a:lnRef idx="2">
+            <a:schemeClr val="accent1">
+              <a:shade val="50000"/>
+            </a:schemeClr>
+          </a:lnRef>
+          <a:fillRef idx="1">
+            <a:schemeClr val="accent1"/>
+          </a:fillRef>
+          <a:effectRef idx="0">
+            <a:schemeClr val="accent1"/>
+          </a:effectRef>
+          <a:fontRef idx="minor">
+            <a:schemeClr val="lt1"/>
+          </a:fontRef>
+        </p:style>
+        <p:txBody>
+          <a:bodyPr rtlCol="0" anchor="ctr"/>
+          <a:lstStyle/>
+          <a:p>
+            <a:pPr algn="ctr"/>
+            <a:endParaRPr lang="en-US"/>
           </a:p>
         </p:txBody>
       </p:sp>
       <p:pic>
         <p:nvPicPr>
-          <p:cNvPr id="16" name="Picture Placeholder 15" descr="Data Points Digital background">
+          <p:cNvPr id="8" name="Picture Placeholder 7" descr="Data Points Digital background">
             <a:extLst>
               <a:ext uri="{FF2B5EF4-FFF2-40B4-BE49-F238E27FC236}">
-                <a16:creationId xmlns:a16="http://schemas.microsoft.com/office/drawing/2014/main" id="{361E9ADB-7377-4CF1-9AE4-AEFBDEBEEEEC}"/>
+                <a16:creationId xmlns:a16="http://schemas.microsoft.com/office/drawing/2014/main" id="{5FED7C55-F545-49A1-90FD-D853A25AB453}"/>
               </a:ext>
             </a:extLst>
           </p:cNvPr>
@@ -19243,8 +20192,8 @@
             <p:ph type="pic" sz="quarter" idx="13"/>
           </p:nvPr>
         </p:nvPicPr>
-        <p:blipFill rotWithShape="1">
-          <a:blip r:embed="rId3" cstate="screen">
+        <p:blipFill>
+          <a:blip r:embed="rId3">
             <a:extLst>
               <a:ext uri="{28A0092B-C50C-407E-A947-70E740481C1C}">
                 <a14:useLocalDpi xmlns:a14="http://schemas.microsoft.com/office/drawing/2010/main" val="0"/>
@@ -19252,21 +20201,170 @@
             </a:extLst>
           </a:blip>
           <a:srcRect/>
-          <a:stretch/>
+          <a:stretch>
+            <a:fillRect/>
+          </a:stretch>
         </p:blipFill>
-        <p:spPr>
-          <a:xfrm>
-            <a:off x="0" y="0"/>
-            <a:ext cx="12192000" cy="3776472"/>
-          </a:xfrm>
-        </p:spPr>
+        <p:spPr/>
       </p:pic>
       <p:sp>
         <p:nvSpPr>
-          <p:cNvPr id="13" name="Content Placeholder 12">
+          <p:cNvPr id="48" name="Rectangle 47">
             <a:extLst>
               <a:ext uri="{FF2B5EF4-FFF2-40B4-BE49-F238E27FC236}">
-                <a16:creationId xmlns:a16="http://schemas.microsoft.com/office/drawing/2014/main" id="{C0287FEC-3826-4868-8D93-52429C6156F5}"/>
+                <a16:creationId xmlns:a16="http://schemas.microsoft.com/office/drawing/2014/main" id="{3C64A91D-E535-4C24-A0E3-96A3810E3FDC}"/>
+              </a:ext>
+              <a:ext uri="{C183D7F6-B498-43B3-948B-1728B52AA6E4}">
+                <adec:decorative xmlns:adec="http://schemas.microsoft.com/office/drawing/2017/decorative" val="1"/>
+              </a:ext>
+            </a:extLst>
+          </p:cNvPr>
+          <p:cNvSpPr>
+            <a:spLocks noGrp="1" noRot="1" noChangeAspect="1" noMove="1" noResize="1" noEditPoints="1" noAdjustHandles="1" noChangeArrowheads="1" noChangeShapeType="1" noTextEdit="1"/>
+          </p:cNvSpPr>
+          <p:nvPr>
+            <p:extLst>
+              <p:ext uri="{386F3935-93C4-4BCD-93E2-E3B085C9AB24}">
+                <p16:designElem xmlns:p16="http://schemas.microsoft.com/office/powerpoint/2015/main" val="1"/>
+              </p:ext>
+            </p:extLst>
+          </p:nvPr>
+        </p:nvSpPr>
+        <p:spPr>
+          <a:xfrm>
+            <a:off x="0" y="5773729"/>
+            <a:ext cx="12192000" cy="1084271"/>
+          </a:xfrm>
+          <a:prstGeom prst="rect">
+            <a:avLst/>
+          </a:prstGeom>
+          <a:gradFill flip="none" rotWithShape="1">
+            <a:gsLst>
+              <a:gs pos="90000">
+                <a:schemeClr val="bg2">
+                  <a:alpha val="60000"/>
+                </a:schemeClr>
+              </a:gs>
+              <a:gs pos="28000">
+                <a:schemeClr val="bg2">
+                  <a:alpha val="0"/>
+                </a:schemeClr>
+              </a:gs>
+            </a:gsLst>
+            <a:lin ang="5400000" scaled="0"/>
+            <a:tileRect/>
+          </a:gradFill>
+          <a:ln>
+            <a:noFill/>
+          </a:ln>
+        </p:spPr>
+        <p:style>
+          <a:lnRef idx="2">
+            <a:schemeClr val="accent1">
+              <a:shade val="50000"/>
+            </a:schemeClr>
+          </a:lnRef>
+          <a:fillRef idx="1">
+            <a:schemeClr val="accent1"/>
+          </a:fillRef>
+          <a:effectRef idx="0">
+            <a:schemeClr val="accent1"/>
+          </a:effectRef>
+          <a:fontRef idx="minor">
+            <a:schemeClr val="lt1"/>
+          </a:fontRef>
+        </p:style>
+        <p:txBody>
+          <a:bodyPr rtlCol="0" anchor="ctr"/>
+          <a:lstStyle/>
+          <a:p>
+            <a:pPr algn="ctr"/>
+            <a:endParaRPr lang="en-US"/>
+          </a:p>
+        </p:txBody>
+      </p:sp>
+      <p:sp>
+        <p:nvSpPr>
+          <p:cNvPr id="50" name="Rectangle 49">
+            <a:extLst>
+              <a:ext uri="{FF2B5EF4-FFF2-40B4-BE49-F238E27FC236}">
+                <a16:creationId xmlns:a16="http://schemas.microsoft.com/office/drawing/2014/main" id="{26FC4867-BA3E-4F8E-AB23-684F34DF3D31}"/>
+              </a:ext>
+              <a:ext uri="{C183D7F6-B498-43B3-948B-1728B52AA6E4}">
+                <adec:decorative xmlns:adec="http://schemas.microsoft.com/office/drawing/2017/decorative" val="1"/>
+              </a:ext>
+            </a:extLst>
+          </p:cNvPr>
+          <p:cNvSpPr>
+            <a:spLocks noGrp="1" noRot="1" noChangeAspect="1" noMove="1" noResize="1" noEditPoints="1" noAdjustHandles="1" noChangeArrowheads="1" noChangeShapeType="1" noTextEdit="1"/>
+          </p:cNvSpPr>
+          <p:nvPr>
+            <p:extLst>
+              <p:ext uri="{386F3935-93C4-4BCD-93E2-E3B085C9AB24}">
+                <p16:designElem xmlns:p16="http://schemas.microsoft.com/office/powerpoint/2015/main" val="1"/>
+              </p:ext>
+            </p:extLst>
+          </p:nvPr>
+        </p:nvSpPr>
+        <p:spPr>
+          <a:xfrm rot="10800000">
+            <a:off x="0" y="-3"/>
+            <a:ext cx="9000000" cy="6857998"/>
+          </a:xfrm>
+          <a:prstGeom prst="rect">
+            <a:avLst/>
+          </a:prstGeom>
+          <a:gradFill flip="none" rotWithShape="1">
+            <a:gsLst>
+              <a:gs pos="50000">
+                <a:schemeClr val="bg2">
+                  <a:alpha val="60000"/>
+                </a:schemeClr>
+              </a:gs>
+              <a:gs pos="0">
+                <a:schemeClr val="bg2">
+                  <a:alpha val="0"/>
+                </a:schemeClr>
+              </a:gs>
+            </a:gsLst>
+            <a:lin ang="0" scaled="0"/>
+            <a:tileRect/>
+          </a:gradFill>
+          <a:ln>
+            <a:noFill/>
+          </a:ln>
+        </p:spPr>
+        <p:style>
+          <a:lnRef idx="2">
+            <a:schemeClr val="accent1">
+              <a:shade val="50000"/>
+            </a:schemeClr>
+          </a:lnRef>
+          <a:fillRef idx="1">
+            <a:schemeClr val="accent1"/>
+          </a:fillRef>
+          <a:effectRef idx="0">
+            <a:schemeClr val="accent1"/>
+          </a:effectRef>
+          <a:fontRef idx="minor">
+            <a:schemeClr val="lt1"/>
+          </a:fontRef>
+        </p:style>
+        <p:txBody>
+          <a:bodyPr rtlCol="0" anchor="ctr"/>
+          <a:lstStyle/>
+          <a:p>
+            <a:pPr algn="ctr"/>
+            <a:endParaRPr lang="en-US"/>
+          </a:p>
+        </p:txBody>
+      </p:sp>
+      <p:sp>
+        <p:nvSpPr>
+          <p:cNvPr id="15" name="Title 14">
+            <a:extLst>
+              <a:ext uri="{FF2B5EF4-FFF2-40B4-BE49-F238E27FC236}">
+                <a16:creationId xmlns:a16="http://schemas.microsoft.com/office/drawing/2014/main" id="{40F1DF5B-353A-4270-8C10-6A1509441174}"/>
               </a:ext>
             </a:extLst>
           </p:cNvPr>
@@ -19274,101 +20372,59 @@
             <a:spLocks noGrp="1"/>
           </p:cNvSpPr>
           <p:nvPr>
-            <p:ph sz="quarter" idx="15"/>
+            <p:ph type="ctrTitle"/>
           </p:nvPr>
         </p:nvSpPr>
         <p:spPr>
           <a:xfrm>
-            <a:off x="5262411" y="4508500"/>
-            <a:ext cx="6221412" cy="1563688"/>
+            <a:off x="550862" y="155617"/>
+            <a:ext cx="6342728" cy="1755988"/>
           </a:xfrm>
         </p:spPr>
         <p:txBody>
-          <a:bodyPr>
-            <a:normAutofit lnSpcReduction="10000"/>
+          <a:bodyPr vert="horz" wrap="square" lIns="0" tIns="0" rIns="0" bIns="0" rtlCol="0" anchor="b" anchorCtr="0">
+            <a:normAutofit/>
           </a:bodyPr>
           <a:lstStyle/>
           <a:p>
+            <a:pPr>
+              <a:lnSpc>
+                <a:spcPct val="100000"/>
+              </a:lnSpc>
+            </a:pPr>
             <a:r>
-              <a:rPr lang="en-US" dirty="0"/>
-              <a:t>With PowerPoint, you can create presentations and share your work with others, wherever they are. Type the text you want here to get started. You can also add images, art, and videos on this template. Save to OneDrive and access your presentations from your computer, tablet, or phone. </a:t>
+              <a:rPr lang="en-US" sz="4000" dirty="0">
+                <a:latin typeface="Times New Roman" panose="02020603050405020304" pitchFamily="18" charset="0"/>
+                <a:cs typeface="Times New Roman" panose="02020603050405020304" pitchFamily="18" charset="0"/>
+              </a:rPr>
+              <a:t>U</a:t>
             </a:r>
+            <a:r>
+              <a:rPr lang="en-US" sz="4000" dirty="0">
+                <a:solidFill>
+                  <a:schemeClr val="tx1"/>
+                </a:solidFill>
+                <a:latin typeface="Times New Roman" panose="02020603050405020304" pitchFamily="18" charset="0"/>
+                <a:cs typeface="Times New Roman" panose="02020603050405020304" pitchFamily="18" charset="0"/>
+              </a:rPr>
+              <a:t>nemployment and cancer incidence</a:t>
+            </a:r>
+            <a:endParaRPr lang="en-US" sz="4000" kern="1200" dirty="0">
+              <a:solidFill>
+                <a:schemeClr val="tx1"/>
+              </a:solidFill>
+              <a:latin typeface="Times New Roman" panose="02020603050405020304" pitchFamily="18" charset="0"/>
+              <a:cs typeface="Times New Roman" panose="02020603050405020304" pitchFamily="18" charset="0"/>
+            </a:endParaRPr>
           </a:p>
         </p:txBody>
       </p:sp>
       <p:sp>
         <p:nvSpPr>
-          <p:cNvPr id="4" name="Date Placeholder 3">
+          <p:cNvPr id="4" name="Slide Number Placeholder 3">
             <a:extLst>
               <a:ext uri="{FF2B5EF4-FFF2-40B4-BE49-F238E27FC236}">
-                <a16:creationId xmlns:a16="http://schemas.microsoft.com/office/drawing/2014/main" id="{0C329F70-04F7-4C70-BCF8-D4371F54EF2F}"/>
-              </a:ext>
-            </a:extLst>
-          </p:cNvPr>
-          <p:cNvSpPr>
-            <a:spLocks noGrp="1"/>
-          </p:cNvSpPr>
-          <p:nvPr>
-            <p:ph type="dt" sz="half" idx="10"/>
-          </p:nvPr>
-        </p:nvSpPr>
-        <p:spPr>
-          <a:xfrm>
-            <a:off x="550863" y="6507212"/>
-            <a:ext cx="2628900" cy="153888"/>
-          </a:xfrm>
-        </p:spPr>
-        <p:txBody>
-          <a:bodyPr/>
-          <a:lstStyle/>
-          <a:p>
-            <a:r>
-              <a:rPr lang="en-US"/>
-              <a:t>Tuesday, February 2, 20XX</a:t>
-            </a:r>
-            <a:endParaRPr lang="en-US" dirty="0"/>
-          </a:p>
-        </p:txBody>
-      </p:sp>
-      <p:sp>
-        <p:nvSpPr>
-          <p:cNvPr id="5" name="Footer Placeholder 4">
-            <a:extLst>
-              <a:ext uri="{FF2B5EF4-FFF2-40B4-BE49-F238E27FC236}">
-                <a16:creationId xmlns:a16="http://schemas.microsoft.com/office/drawing/2014/main" id="{06A3302E-502D-4151-81C9-5FD6AF9596D6}"/>
-              </a:ext>
-            </a:extLst>
-          </p:cNvPr>
-          <p:cNvSpPr>
-            <a:spLocks noGrp="1"/>
-          </p:cNvSpPr>
-          <p:nvPr>
-            <p:ph type="ftr" sz="quarter" idx="11"/>
-          </p:nvPr>
-        </p:nvSpPr>
-        <p:spPr>
-          <a:xfrm>
-            <a:off x="3359150" y="6507212"/>
-            <a:ext cx="6379210" cy="153888"/>
-          </a:xfrm>
-        </p:spPr>
-        <p:txBody>
-          <a:bodyPr/>
-          <a:lstStyle/>
-          <a:p>
-            <a:r>
-              <a:rPr lang="en-US"/>
-              <a:t>Sample Footer Text</a:t>
-            </a:r>
-          </a:p>
-        </p:txBody>
-      </p:sp>
-      <p:sp>
-        <p:nvSpPr>
-          <p:cNvPr id="6" name="Slide Number Placeholder 5">
-            <a:extLst>
-              <a:ext uri="{FF2B5EF4-FFF2-40B4-BE49-F238E27FC236}">
-                <a16:creationId xmlns:a16="http://schemas.microsoft.com/office/drawing/2014/main" id="{9ED907F8-C614-4D59-A03F-BF9CD5E35703}"/>
+                <a16:creationId xmlns:a16="http://schemas.microsoft.com/office/drawing/2014/main" id="{E1E7D98D-6710-41D2-B258-E1A1059D29F8}"/>
               </a:ext>
             </a:extLst>
           </p:cNvPr>
@@ -19379,29 +20435,53 @@
             <p:ph type="sldNum" sz="quarter" idx="12"/>
           </p:nvPr>
         </p:nvSpPr>
-        <p:spPr>
-          <a:xfrm>
-            <a:off x="9948863" y="6507212"/>
-            <a:ext cx="1692274" cy="153888"/>
-          </a:xfrm>
-        </p:spPr>
+        <p:spPr/>
         <p:txBody>
           <a:bodyPr/>
           <a:lstStyle/>
           <a:p>
             <a:fld id="{DBA1B0FB-D917-4C8C-928F-313BD683BF39}" type="slidenum">
               <a:rPr lang="en-US" smtClean="0"/>
-              <a:pPr/>
               <a:t>7</a:t>
             </a:fld>
             <a:endParaRPr lang="en-US"/>
           </a:p>
         </p:txBody>
       </p:sp>
+      <p:pic>
+        <p:nvPicPr>
+          <p:cNvPr id="3" name="Picture 2" descr="A graph with blue dots">
+            <a:extLst>
+              <a:ext uri="{FF2B5EF4-FFF2-40B4-BE49-F238E27FC236}">
+                <a16:creationId xmlns:a16="http://schemas.microsoft.com/office/drawing/2014/main" id="{E476FAFE-6155-4D8C-78B3-82CE7B7E19BA}"/>
+              </a:ext>
+            </a:extLst>
+          </p:cNvPr>
+          <p:cNvPicPr>
+            <a:picLocks noChangeAspect="1"/>
+          </p:cNvPicPr>
+          <p:nvPr/>
+        </p:nvPicPr>
+        <p:blipFill>
+          <a:blip r:embed="rId4"/>
+          <a:stretch>
+            <a:fillRect/>
+          </a:stretch>
+        </p:blipFill>
+        <p:spPr>
+          <a:xfrm>
+            <a:off x="2078008" y="2345958"/>
+            <a:ext cx="7820082" cy="3895753"/>
+          </a:xfrm>
+          <a:prstGeom prst="rect">
+            <a:avLst/>
+          </a:prstGeom>
+        </p:spPr>
+      </p:pic>
     </p:spTree>
     <p:extLst>
       <p:ext uri="{BB962C8B-B14F-4D97-AF65-F5344CB8AC3E}">
-        <p14:creationId xmlns:p14="http://schemas.microsoft.com/office/powerpoint/2010/main" val="3521561301"/>
+        <p14:creationId xmlns:p14="http://schemas.microsoft.com/office/powerpoint/2010/main" val="1389413477"/>
       </p:ext>
     </p:extLst>
   </p:cSld>
@@ -19430,10 +20510,10 @@
       </p:grpSpPr>
       <p:sp>
         <p:nvSpPr>
-          <p:cNvPr id="22" name="Title 21">
+          <p:cNvPr id="11" name="Title 10">
             <a:extLst>
               <a:ext uri="{FF2B5EF4-FFF2-40B4-BE49-F238E27FC236}">
-                <a16:creationId xmlns:a16="http://schemas.microsoft.com/office/drawing/2014/main" id="{F8FAEED9-1ECD-45F9-87A0-9394BAEABB79}"/>
+                <a16:creationId xmlns:a16="http://schemas.microsoft.com/office/drawing/2014/main" id="{581E8936-2270-47FE-94A4-398CB123EF90}"/>
               </a:ext>
             </a:extLst>
           </p:cNvPr>
@@ -19441,13 +20521,13 @@
             <a:spLocks noGrp="1"/>
           </p:cNvSpPr>
           <p:nvPr>
-            <p:ph type="ctrTitle"/>
+            <p:ph type="title"/>
           </p:nvPr>
         </p:nvSpPr>
         <p:spPr>
           <a:xfrm>
-            <a:off x="550863" y="549275"/>
-            <a:ext cx="5437187" cy="2986234"/>
+            <a:off x="550863" y="4508500"/>
+            <a:ext cx="4500562" cy="1562959"/>
           </a:xfrm>
         </p:spPr>
         <p:txBody>
@@ -19456,62 +20536,17 @@
           <a:p>
             <a:r>
               <a:rPr lang="en-US" dirty="0"/>
-              <a:t>Thank You</a:t>
-            </a:r>
-          </a:p>
-        </p:txBody>
-      </p:sp>
-      <p:sp>
-        <p:nvSpPr>
-          <p:cNvPr id="23" name="Subtitle 22">
-            <a:extLst>
-              <a:ext uri="{FF2B5EF4-FFF2-40B4-BE49-F238E27FC236}">
-                <a16:creationId xmlns:a16="http://schemas.microsoft.com/office/drawing/2014/main" id="{8E5E4638-9BCB-4C2E-914F-CC868E2020D5}"/>
-              </a:ext>
-            </a:extLst>
-          </p:cNvPr>
-          <p:cNvSpPr>
-            <a:spLocks noGrp="1"/>
-          </p:cNvSpPr>
-          <p:nvPr>
-            <p:ph type="subTitle" idx="1"/>
-          </p:nvPr>
-        </p:nvSpPr>
-        <p:spPr>
-          <a:xfrm>
-            <a:off x="550863" y="3827610"/>
-            <a:ext cx="5437187" cy="2265216"/>
-          </a:xfrm>
-        </p:spPr>
-        <p:txBody>
-          <a:bodyPr/>
-          <a:lstStyle/>
-          <a:p>
-            <a:r>
-              <a:rPr lang="en-US" dirty="0"/>
-              <a:t>Presenter name</a:t>
-            </a:r>
-          </a:p>
-          <a:p>
-            <a:r>
-              <a:rPr lang="en-US" dirty="0"/>
-              <a:t>Email address</a:t>
-            </a:r>
-          </a:p>
-          <a:p>
-            <a:r>
-              <a:rPr lang="en-US" dirty="0"/>
-              <a:t>Website address</a:t>
+              <a:t>Summary</a:t>
             </a:r>
           </a:p>
         </p:txBody>
       </p:sp>
       <p:pic>
         <p:nvPicPr>
-          <p:cNvPr id="27" name="Picture Placeholder 26" descr="Data Points Digital background">
+          <p:cNvPr id="16" name="Picture Placeholder 15" descr="Data Points Digital background">
             <a:extLst>
               <a:ext uri="{FF2B5EF4-FFF2-40B4-BE49-F238E27FC236}">
-                <a16:creationId xmlns:a16="http://schemas.microsoft.com/office/drawing/2014/main" id="{9E660784-34E2-4CDA-926A-DDD6AAF35046}"/>
+                <a16:creationId xmlns:a16="http://schemas.microsoft.com/office/drawing/2014/main" id="{361E9ADB-7377-4CF1-9AE4-AEFBDEBEEEEC}"/>
               </a:ext>
             </a:extLst>
           </p:cNvPr>
@@ -19519,11 +20554,11 @@
             <a:picLocks noGrp="1" noChangeAspect="1"/>
           </p:cNvPicPr>
           <p:nvPr>
-            <p:ph type="pic" sz="quarter" idx="15"/>
+            <p:ph type="pic" sz="quarter" idx="13"/>
           </p:nvPr>
         </p:nvPicPr>
         <p:blipFill rotWithShape="1">
-          <a:blip r:embed="rId2" cstate="screen">
+          <a:blip r:embed="rId3" cstate="screen">
             <a:extLst>
               <a:ext uri="{28A0092B-C50C-407E-A947-70E740481C1C}">
                 <a14:useLocalDpi xmlns:a14="http://schemas.microsoft.com/office/drawing/2010/main" val="0"/>
@@ -19535,117 +20570,17 @@
         </p:blipFill>
         <p:spPr>
           <a:xfrm>
-            <a:off x="6556248" y="548640"/>
-            <a:ext cx="5084064" cy="2880360"/>
-          </a:xfrm>
-        </p:spPr>
-      </p:pic>
-      <p:pic>
-        <p:nvPicPr>
-          <p:cNvPr id="33" name="Picture Placeholder 32" descr="Data Points Digital background">
-            <a:extLst>
-              <a:ext uri="{FF2B5EF4-FFF2-40B4-BE49-F238E27FC236}">
-                <a16:creationId xmlns:a16="http://schemas.microsoft.com/office/drawing/2014/main" id="{48106962-23C6-4DFE-BB3A-E5FFF03F38CE}"/>
-              </a:ext>
-            </a:extLst>
-          </p:cNvPr>
-          <p:cNvPicPr>
-            <a:picLocks noGrp="1" noChangeAspect="1"/>
-          </p:cNvPicPr>
-          <p:nvPr>
-            <p:ph type="pic" sz="quarter" idx="16"/>
-          </p:nvPr>
-        </p:nvPicPr>
-        <p:blipFill rotWithShape="1">
-          <a:blip r:embed="rId3" cstate="screen">
-            <a:extLst>
-              <a:ext uri="{28A0092B-C50C-407E-A947-70E740481C1C}">
-                <a14:useLocalDpi xmlns:a14="http://schemas.microsoft.com/office/drawing/2010/main" val="0"/>
-              </a:ext>
-            </a:extLst>
-          </a:blip>
-          <a:srcRect/>
-          <a:stretch/>
-        </p:blipFill>
-        <p:spPr>
-          <a:xfrm>
-            <a:off x="6556248" y="3429000"/>
-            <a:ext cx="5084064" cy="2880360"/>
+            <a:off x="0" y="0"/>
+            <a:ext cx="12192000" cy="3776472"/>
           </a:xfrm>
         </p:spPr>
       </p:pic>
       <p:sp>
         <p:nvSpPr>
-          <p:cNvPr id="4" name="Date Placeholder 3">
+          <p:cNvPr id="6" name="Slide Number Placeholder 5">
             <a:extLst>
               <a:ext uri="{FF2B5EF4-FFF2-40B4-BE49-F238E27FC236}">
-                <a16:creationId xmlns:a16="http://schemas.microsoft.com/office/drawing/2014/main" id="{7823E305-6365-4345-8BD1-4A31C61D96CB}"/>
-              </a:ext>
-            </a:extLst>
-          </p:cNvPr>
-          <p:cNvSpPr>
-            <a:spLocks noGrp="1"/>
-          </p:cNvSpPr>
-          <p:nvPr>
-            <p:ph type="dt" sz="half" idx="10"/>
-          </p:nvPr>
-        </p:nvSpPr>
-        <p:spPr>
-          <a:xfrm>
-            <a:off x="550863" y="6507212"/>
-            <a:ext cx="2628900" cy="153888"/>
-          </a:xfrm>
-        </p:spPr>
-        <p:txBody>
-          <a:bodyPr/>
-          <a:lstStyle/>
-          <a:p>
-            <a:r>
-              <a:rPr lang="en-US"/>
-              <a:t>Tuesday, February 2, 20XX</a:t>
-            </a:r>
-          </a:p>
-        </p:txBody>
-      </p:sp>
-      <p:sp>
-        <p:nvSpPr>
-          <p:cNvPr id="5" name="Footer Placeholder 4">
-            <a:extLst>
-              <a:ext uri="{FF2B5EF4-FFF2-40B4-BE49-F238E27FC236}">
-                <a16:creationId xmlns:a16="http://schemas.microsoft.com/office/drawing/2014/main" id="{0B37A3FF-ED32-4C4A-A21F-848A3BF6F896}"/>
-              </a:ext>
-            </a:extLst>
-          </p:cNvPr>
-          <p:cNvSpPr>
-            <a:spLocks noGrp="1"/>
-          </p:cNvSpPr>
-          <p:nvPr>
-            <p:ph type="ftr" sz="quarter" idx="11"/>
-          </p:nvPr>
-        </p:nvSpPr>
-        <p:spPr>
-          <a:xfrm>
-            <a:off x="3359150" y="6507212"/>
-            <a:ext cx="6379210" cy="153888"/>
-          </a:xfrm>
-        </p:spPr>
-        <p:txBody>
-          <a:bodyPr/>
-          <a:lstStyle/>
-          <a:p>
-            <a:r>
-              <a:rPr lang="en-US"/>
-              <a:t>Sample Footer Text</a:t>
-            </a:r>
-          </a:p>
-        </p:txBody>
-      </p:sp>
-      <p:sp>
-        <p:nvSpPr>
-          <p:cNvPr id="6" name="Slide Number Placeholder 5">
-            <a:extLst>
-              <a:ext uri="{FF2B5EF4-FFF2-40B4-BE49-F238E27FC236}">
-                <a16:creationId xmlns:a16="http://schemas.microsoft.com/office/drawing/2014/main" id="{36E60F23-FB58-4EF8-82FD-E86CED25FDD4}"/>
+                <a16:creationId xmlns:a16="http://schemas.microsoft.com/office/drawing/2014/main" id="{9ED907F8-C614-4D59-A03F-BF9CD5E35703}"/>
               </a:ext>
             </a:extLst>
           </p:cNvPr>
@@ -19678,7 +20613,7 @@
     </p:spTree>
     <p:extLst>
       <p:ext uri="{BB962C8B-B14F-4D97-AF65-F5344CB8AC3E}">
-        <p14:creationId xmlns:p14="http://schemas.microsoft.com/office/powerpoint/2010/main" val="3247798845"/>
+        <p14:creationId xmlns:p14="http://schemas.microsoft.com/office/powerpoint/2010/main" val="3521561301"/>
       </p:ext>
     </p:extLst>
   </p:cSld>
@@ -20480,6 +21415,15 @@
 </file>
 
 <file path=customXml/item1.xml><?xml version="1.0" encoding="utf-8"?>
+<?mso-contentType ?>
+<FormTemplates xmlns="http://schemas.microsoft.com/sharepoint/v3/contenttype/forms">
+  <Display>DocumentLibraryForm</Display>
+  <Edit>DocumentLibraryForm</Edit>
+  <New>DocumentLibraryForm</New>
+</FormTemplates>
+</file>
+
+<file path=customXml/item2.xml><?xml version="1.0" encoding="utf-8"?>
 <p:properties xmlns:p="http://schemas.microsoft.com/office/2006/metadata/properties" xmlns:xsi="http://www.w3.org/2001/XMLSchema-instance" xmlns:pc="http://schemas.microsoft.com/office/infopath/2007/PartnerControls">
   <documentManagement>
     <_ip_UnifiedCompliancePolicyUIAction xmlns="http://schemas.microsoft.com/sharepoint/v3" xsi:nil="true"/>
@@ -20496,15 +21440,6 @@
     <MediaServiceKeyPoints xmlns="71af3243-3dd4-4a8d-8c0d-dd76da1f02a5" xsi:nil="true"/>
   </documentManagement>
 </p:properties>
-</file>
-
-<file path=customXml/item2.xml><?xml version="1.0" encoding="utf-8"?>
-<?mso-contentType ?>
-<FormTemplates xmlns="http://schemas.microsoft.com/sharepoint/v3/contenttype/forms">
-  <Display>DocumentLibraryForm</Display>
-  <Edit>DocumentLibraryForm</Edit>
-  <New>DocumentLibraryForm</New>
-</FormTemplates>
 </file>
 
 <file path=customXml/item3.xml><?xml version="1.0" encoding="utf-8"?>
@@ -20784,6 +21719,14 @@
 </file>
 
 <file path=customXml/itemProps1.xml><?xml version="1.0" encoding="utf-8"?>
+<ds:datastoreItem xmlns:ds="http://schemas.openxmlformats.org/officeDocument/2006/customXml" ds:itemID="{904751AB-E840-446F-8D49-E697067EC887}">
+  <ds:schemaRefs>
+    <ds:schemaRef ds:uri="http://schemas.microsoft.com/sharepoint/v3/contenttype/forms"/>
+  </ds:schemaRefs>
+</ds:datastoreItem>
+</file>
+
+<file path=customXml/itemProps2.xml><?xml version="1.0" encoding="utf-8"?>
 <ds:datastoreItem xmlns:ds="http://schemas.openxmlformats.org/officeDocument/2006/customXml" ds:itemID="{50811A92-D464-4AC4-A396-BA73B10CEEAC}">
   <ds:schemaRefs>
     <ds:schemaRef ds:uri="http://schemas.microsoft.com/office/2006/metadata/properties"/>
@@ -20791,14 +21734,6 @@
     <ds:schemaRef ds:uri="http://schemas.microsoft.com/sharepoint/v3"/>
     <ds:schemaRef ds:uri="71af3243-3dd4-4a8d-8c0d-dd76da1f02a5"/>
     <ds:schemaRef ds:uri="230e9df3-be65-4c73-a93b-d1236ebd677e"/>
-  </ds:schemaRefs>
-</ds:datastoreItem>
-</file>
-
-<file path=customXml/itemProps2.xml><?xml version="1.0" encoding="utf-8"?>
-<ds:datastoreItem xmlns:ds="http://schemas.openxmlformats.org/officeDocument/2006/customXml" ds:itemID="{904751AB-E840-446F-8D49-E697067EC887}">
-  <ds:schemaRefs>
-    <ds:schemaRef ds:uri="http://schemas.microsoft.com/sharepoint/v3/contenttype/forms"/>
   </ds:schemaRefs>
 </ds:datastoreItem>
 </file>

--- a/Project 1 Powerpoint.pptx
+++ b/Project 1 Powerpoint.pptx
@@ -1557,8 +1557,30 @@
           <a:p>
             <a:r>
               <a:rPr lang="en-US" dirty="0"/>
-              <a:t>Strength, form, direction, and outliers. </a:t>
+              <a:t>Strength= weak</a:t>
             </a:r>
+          </a:p>
+          <a:p>
+            <a:r>
+              <a:rPr lang="en-US" dirty="0"/>
+              <a:t> form= nonlinear</a:t>
+            </a:r>
+          </a:p>
+          <a:p>
+            <a:r>
+              <a:rPr lang="en-US" dirty="0"/>
+              <a:t> direction=random, neither positive nor negative</a:t>
+            </a:r>
+          </a:p>
+          <a:p>
+            <a:r>
+              <a:rPr lang="en-US"/>
+              <a:t> </a:t>
+            </a:r>
+            <a:endParaRPr lang="en-US" dirty="0"/>
+          </a:p>
+          <a:p>
+            <a:endParaRPr lang="en-US" dirty="0"/>
           </a:p>
         </p:txBody>
       </p:sp>
@@ -21415,15 +21437,6 @@
 </file>
 
 <file path=customXml/item1.xml><?xml version="1.0" encoding="utf-8"?>
-<?mso-contentType ?>
-<FormTemplates xmlns="http://schemas.microsoft.com/sharepoint/v3/contenttype/forms">
-  <Display>DocumentLibraryForm</Display>
-  <Edit>DocumentLibraryForm</Edit>
-  <New>DocumentLibraryForm</New>
-</FormTemplates>
-</file>
-
-<file path=customXml/item2.xml><?xml version="1.0" encoding="utf-8"?>
 <p:properties xmlns:p="http://schemas.microsoft.com/office/2006/metadata/properties" xmlns:xsi="http://www.w3.org/2001/XMLSchema-instance" xmlns:pc="http://schemas.microsoft.com/office/infopath/2007/PartnerControls">
   <documentManagement>
     <_ip_UnifiedCompliancePolicyUIAction xmlns="http://schemas.microsoft.com/sharepoint/v3" xsi:nil="true"/>
@@ -21440,6 +21453,15 @@
     <MediaServiceKeyPoints xmlns="71af3243-3dd4-4a8d-8c0d-dd76da1f02a5" xsi:nil="true"/>
   </documentManagement>
 </p:properties>
+</file>
+
+<file path=customXml/item2.xml><?xml version="1.0" encoding="utf-8"?>
+<?mso-contentType ?>
+<FormTemplates xmlns="http://schemas.microsoft.com/sharepoint/v3/contenttype/forms">
+  <Display>DocumentLibraryForm</Display>
+  <Edit>DocumentLibraryForm</Edit>
+  <New>DocumentLibraryForm</New>
+</FormTemplates>
 </file>
 
 <file path=customXml/item3.xml><?xml version="1.0" encoding="utf-8"?>
@@ -21719,14 +21741,6 @@
 </file>
 
 <file path=customXml/itemProps1.xml><?xml version="1.0" encoding="utf-8"?>
-<ds:datastoreItem xmlns:ds="http://schemas.openxmlformats.org/officeDocument/2006/customXml" ds:itemID="{904751AB-E840-446F-8D49-E697067EC887}">
-  <ds:schemaRefs>
-    <ds:schemaRef ds:uri="http://schemas.microsoft.com/sharepoint/v3/contenttype/forms"/>
-  </ds:schemaRefs>
-</ds:datastoreItem>
-</file>
-
-<file path=customXml/itemProps2.xml><?xml version="1.0" encoding="utf-8"?>
 <ds:datastoreItem xmlns:ds="http://schemas.openxmlformats.org/officeDocument/2006/customXml" ds:itemID="{50811A92-D464-4AC4-A396-BA73B10CEEAC}">
   <ds:schemaRefs>
     <ds:schemaRef ds:uri="http://schemas.microsoft.com/office/2006/metadata/properties"/>
@@ -21734,6 +21748,14 @@
     <ds:schemaRef ds:uri="http://schemas.microsoft.com/sharepoint/v3"/>
     <ds:schemaRef ds:uri="71af3243-3dd4-4a8d-8c0d-dd76da1f02a5"/>
     <ds:schemaRef ds:uri="230e9df3-be65-4c73-a93b-d1236ebd677e"/>
+  </ds:schemaRefs>
+</ds:datastoreItem>
+</file>
+
+<file path=customXml/itemProps2.xml><?xml version="1.0" encoding="utf-8"?>
+<ds:datastoreItem xmlns:ds="http://schemas.openxmlformats.org/officeDocument/2006/customXml" ds:itemID="{904751AB-E840-446F-8D49-E697067EC887}">
+  <ds:schemaRefs>
+    <ds:schemaRef ds:uri="http://schemas.microsoft.com/sharepoint/v3/contenttype/forms"/>
   </ds:schemaRefs>
 </ds:datastoreItem>
 </file>

--- a/Project 1 Powerpoint.pptx
+++ b/Project 1 Powerpoint.pptx
@@ -639,7 +639,7 @@
           <a:p>
             <a:fld id="{C17F2C1D-F243-42AB-ADF2-E7CB4E04900E}" type="datetimeFigureOut">
               <a:rPr lang="en-US" smtClean="0"/>
-              <a:t>8/1/2023</a:t>
+              <a:t>8/2/2023</a:t>
             </a:fld>
             <a:endParaRPr lang="en-US"/>
           </a:p>
@@ -816,7 +816,7 @@
           <a:p>
             <a:fld id="{020CE34E-5667-4A32-A6BA-10C7A552BC63}" type="datetimeFigureOut">
               <a:rPr lang="en-US" smtClean="0"/>
-              <a:t>8/1/2023</a:t>
+              <a:t>8/2/2023</a:t>
             </a:fld>
             <a:endParaRPr lang="en-US"/>
           </a:p>
@@ -1465,13 +1465,36 @@
           <a:p>
             <a:r>
               <a:rPr lang="en-US" dirty="0"/>
-              <a:t>X axis is </a:t>
+              <a:t>Y axis is represented with percentage of people who were diagnosed with cancer who ended up dying.</a:t>
+            </a:r>
+          </a:p>
+          <a:p>
+            <a:r>
+              <a:rPr lang="en-US" dirty="0"/>
+              <a:t>X axis is represented by each state</a:t>
+            </a:r>
+          </a:p>
+          <a:p>
+            <a:endParaRPr lang="en-US" dirty="0"/>
+          </a:p>
+          <a:p>
+            <a:r>
+              <a:rPr lang="en-US" dirty="0"/>
+              <a:t>Outliers were California, Massachusetts, and Mississippi</a:t>
             </a:r>
             <a:r>
               <a:rPr lang="en-US"/>
-              <a:t>represented with </a:t>
+              <a:t>. </a:t>
             </a:r>
+          </a:p>
+          <a:p>
             <a:endParaRPr lang="en-US" dirty="0"/>
+          </a:p>
+          <a:p>
+            <a:r>
+              <a:rPr lang="en-US" dirty="0"/>
+              <a:t>Further studies would need to be conducted to understand why these 3 states reported such lower average death percentages from those that were diagnosed. </a:t>
+            </a:r>
           </a:p>
         </p:txBody>
       </p:sp>
@@ -21437,6 +21460,15 @@
 </file>
 
 <file path=customXml/item1.xml><?xml version="1.0" encoding="utf-8"?>
+<?mso-contentType ?>
+<FormTemplates xmlns="http://schemas.microsoft.com/sharepoint/v3/contenttype/forms">
+  <Display>DocumentLibraryForm</Display>
+  <Edit>DocumentLibraryForm</Edit>
+  <New>DocumentLibraryForm</New>
+</FormTemplates>
+</file>
+
+<file path=customXml/item2.xml><?xml version="1.0" encoding="utf-8"?>
 <p:properties xmlns:p="http://schemas.microsoft.com/office/2006/metadata/properties" xmlns:xsi="http://www.w3.org/2001/XMLSchema-instance" xmlns:pc="http://schemas.microsoft.com/office/infopath/2007/PartnerControls">
   <documentManagement>
     <_ip_UnifiedCompliancePolicyUIAction xmlns="http://schemas.microsoft.com/sharepoint/v3" xsi:nil="true"/>
@@ -21453,15 +21485,6 @@
     <MediaServiceKeyPoints xmlns="71af3243-3dd4-4a8d-8c0d-dd76da1f02a5" xsi:nil="true"/>
   </documentManagement>
 </p:properties>
-</file>
-
-<file path=customXml/item2.xml><?xml version="1.0" encoding="utf-8"?>
-<?mso-contentType ?>
-<FormTemplates xmlns="http://schemas.microsoft.com/sharepoint/v3/contenttype/forms">
-  <Display>DocumentLibraryForm</Display>
-  <Edit>DocumentLibraryForm</Edit>
-  <New>DocumentLibraryForm</New>
-</FormTemplates>
 </file>
 
 <file path=customXml/item3.xml><?xml version="1.0" encoding="utf-8"?>
@@ -21741,6 +21764,14 @@
 </file>
 
 <file path=customXml/itemProps1.xml><?xml version="1.0" encoding="utf-8"?>
+<ds:datastoreItem xmlns:ds="http://schemas.openxmlformats.org/officeDocument/2006/customXml" ds:itemID="{904751AB-E840-446F-8D49-E697067EC887}">
+  <ds:schemaRefs>
+    <ds:schemaRef ds:uri="http://schemas.microsoft.com/sharepoint/v3/contenttype/forms"/>
+  </ds:schemaRefs>
+</ds:datastoreItem>
+</file>
+
+<file path=customXml/itemProps2.xml><?xml version="1.0" encoding="utf-8"?>
 <ds:datastoreItem xmlns:ds="http://schemas.openxmlformats.org/officeDocument/2006/customXml" ds:itemID="{50811A92-D464-4AC4-A396-BA73B10CEEAC}">
   <ds:schemaRefs>
     <ds:schemaRef ds:uri="http://schemas.microsoft.com/office/2006/metadata/properties"/>
@@ -21748,14 +21779,6 @@
     <ds:schemaRef ds:uri="http://schemas.microsoft.com/sharepoint/v3"/>
     <ds:schemaRef ds:uri="71af3243-3dd4-4a8d-8c0d-dd76da1f02a5"/>
     <ds:schemaRef ds:uri="230e9df3-be65-4c73-a93b-d1236ebd677e"/>
-  </ds:schemaRefs>
-</ds:datastoreItem>
-</file>
-
-<file path=customXml/itemProps2.xml><?xml version="1.0" encoding="utf-8"?>
-<ds:datastoreItem xmlns:ds="http://schemas.openxmlformats.org/officeDocument/2006/customXml" ds:itemID="{904751AB-E840-446F-8D49-E697067EC887}">
-  <ds:schemaRefs>
-    <ds:schemaRef ds:uri="http://schemas.microsoft.com/sharepoint/v3/contenttype/forms"/>
   </ds:schemaRefs>
 </ds:datastoreItem>
 </file>

--- a/Project 1 Powerpoint.pptx
+++ b/Project 1 Powerpoint.pptx
@@ -20571,7 +20571,7 @@
         </p:nvSpPr>
         <p:spPr>
           <a:xfrm>
-            <a:off x="550863" y="4508500"/>
+            <a:off x="676798" y="4240203"/>
             <a:ext cx="4500562" cy="1562959"/>
           </a:xfrm>
         </p:spPr>
@@ -20620,41 +20620,6 @@
           </a:xfrm>
         </p:spPr>
       </p:pic>
-      <p:sp>
-        <p:nvSpPr>
-          <p:cNvPr id="6" name="Slide Number Placeholder 5">
-            <a:extLst>
-              <a:ext uri="{FF2B5EF4-FFF2-40B4-BE49-F238E27FC236}">
-                <a16:creationId xmlns:a16="http://schemas.microsoft.com/office/drawing/2014/main" id="{9ED907F8-C614-4D59-A03F-BF9CD5E35703}"/>
-              </a:ext>
-            </a:extLst>
-          </p:cNvPr>
-          <p:cNvSpPr>
-            <a:spLocks noGrp="1"/>
-          </p:cNvSpPr>
-          <p:nvPr>
-            <p:ph type="sldNum" sz="quarter" idx="12"/>
-          </p:nvPr>
-        </p:nvSpPr>
-        <p:spPr>
-          <a:xfrm>
-            <a:off x="9948863" y="6507212"/>
-            <a:ext cx="1692274" cy="153888"/>
-          </a:xfrm>
-        </p:spPr>
-        <p:txBody>
-          <a:bodyPr/>
-          <a:lstStyle/>
-          <a:p>
-            <a:fld id="{DBA1B0FB-D917-4C8C-928F-313BD683BF39}" type="slidenum">
-              <a:rPr lang="en-US" smtClean="0"/>
-              <a:pPr/>
-              <a:t>8</a:t>
-            </a:fld>
-            <a:endParaRPr lang="en-US"/>
-          </a:p>
-        </p:txBody>
-      </p:sp>
     </p:spTree>
     <p:extLst>
       <p:ext uri="{BB962C8B-B14F-4D97-AF65-F5344CB8AC3E}">
@@ -21460,15 +21425,6 @@
 </file>
 
 <file path=customXml/item1.xml><?xml version="1.0" encoding="utf-8"?>
-<?mso-contentType ?>
-<FormTemplates xmlns="http://schemas.microsoft.com/sharepoint/v3/contenttype/forms">
-  <Display>DocumentLibraryForm</Display>
-  <Edit>DocumentLibraryForm</Edit>
-  <New>DocumentLibraryForm</New>
-</FormTemplates>
-</file>
-
-<file path=customXml/item2.xml><?xml version="1.0" encoding="utf-8"?>
 <p:properties xmlns:p="http://schemas.microsoft.com/office/2006/metadata/properties" xmlns:xsi="http://www.w3.org/2001/XMLSchema-instance" xmlns:pc="http://schemas.microsoft.com/office/infopath/2007/PartnerControls">
   <documentManagement>
     <_ip_UnifiedCompliancePolicyUIAction xmlns="http://schemas.microsoft.com/sharepoint/v3" xsi:nil="true"/>
@@ -21485,6 +21441,15 @@
     <MediaServiceKeyPoints xmlns="71af3243-3dd4-4a8d-8c0d-dd76da1f02a5" xsi:nil="true"/>
   </documentManagement>
 </p:properties>
+</file>
+
+<file path=customXml/item2.xml><?xml version="1.0" encoding="utf-8"?>
+<?mso-contentType ?>
+<FormTemplates xmlns="http://schemas.microsoft.com/sharepoint/v3/contenttype/forms">
+  <Display>DocumentLibraryForm</Display>
+  <Edit>DocumentLibraryForm</Edit>
+  <New>DocumentLibraryForm</New>
+</FormTemplates>
 </file>
 
 <file path=customXml/item3.xml><?xml version="1.0" encoding="utf-8"?>
@@ -21764,14 +21729,6 @@
 </file>
 
 <file path=customXml/itemProps1.xml><?xml version="1.0" encoding="utf-8"?>
-<ds:datastoreItem xmlns:ds="http://schemas.openxmlformats.org/officeDocument/2006/customXml" ds:itemID="{904751AB-E840-446F-8D49-E697067EC887}">
-  <ds:schemaRefs>
-    <ds:schemaRef ds:uri="http://schemas.microsoft.com/sharepoint/v3/contenttype/forms"/>
-  </ds:schemaRefs>
-</ds:datastoreItem>
-</file>
-
-<file path=customXml/itemProps2.xml><?xml version="1.0" encoding="utf-8"?>
 <ds:datastoreItem xmlns:ds="http://schemas.openxmlformats.org/officeDocument/2006/customXml" ds:itemID="{50811A92-D464-4AC4-A396-BA73B10CEEAC}">
   <ds:schemaRefs>
     <ds:schemaRef ds:uri="http://schemas.microsoft.com/office/2006/metadata/properties"/>
@@ -21779,6 +21736,14 @@
     <ds:schemaRef ds:uri="http://schemas.microsoft.com/sharepoint/v3"/>
     <ds:schemaRef ds:uri="71af3243-3dd4-4a8d-8c0d-dd76da1f02a5"/>
     <ds:schemaRef ds:uri="230e9df3-be65-4c73-a93b-d1236ebd677e"/>
+  </ds:schemaRefs>
+</ds:datastoreItem>
+</file>
+
+<file path=customXml/itemProps2.xml><?xml version="1.0" encoding="utf-8"?>
+<ds:datastoreItem xmlns:ds="http://schemas.openxmlformats.org/officeDocument/2006/customXml" ds:itemID="{904751AB-E840-446F-8D49-E697067EC887}">
+  <ds:schemaRefs>
+    <ds:schemaRef ds:uri="http://schemas.microsoft.com/sharepoint/v3/contenttype/forms"/>
   </ds:schemaRefs>
 </ds:datastoreItem>
 </file>
